--- a/Presentation - Final.pptx
+++ b/Presentation - Final.pptx
@@ -367,7 +367,7 @@
           <a:p>
             <a:fld id="{9184DA70-C731-4C70-880D-CCD4705E623C}" type="datetime1">
               <a:rPr lang="en-US" smtClean="0"/>
-              <a:t>3/20/2021</a:t>
+              <a:t>3/21/21</a:t>
             </a:fld>
             <a:endParaRPr lang="en-US" dirty="0"/>
           </a:p>
@@ -555,7 +555,7 @@
           <a:p>
             <a:fld id="{4BE1D723-8F53-4F53-90B0-1982A396982E}" type="datetime1">
               <a:rPr lang="en-US" smtClean="0"/>
-              <a:t>3/20/2021</a:t>
+              <a:t>3/21/21</a:t>
             </a:fld>
             <a:endParaRPr lang="en-US" dirty="0"/>
           </a:p>
@@ -928,7 +928,7 @@
           <a:p>
             <a:fld id="{97669AF7-7BEB-44E4-9852-375E34362B5B}" type="datetime1">
               <a:rPr lang="en-US" smtClean="0"/>
-              <a:t>3/20/2021</a:t>
+              <a:t>3/21/21</a:t>
             </a:fld>
             <a:endParaRPr lang="en-US" dirty="0"/>
           </a:p>
@@ -1183,7 +1183,7 @@
           <a:p>
             <a:fld id="{BAAAC38D-0552-4C82-B593-E6124DFADBE2}" type="datetime1">
               <a:rPr lang="en-US" smtClean="0"/>
-              <a:t>3/20/2021</a:t>
+              <a:t>3/21/21</a:t>
             </a:fld>
             <a:endParaRPr lang="en-US" dirty="0"/>
           </a:p>
@@ -1580,7 +1580,7 @@
           <a:p>
             <a:fld id="{D9DF0F1C-5577-4ACB-BB62-DF8F3C494C7E}" type="datetime1">
               <a:rPr lang="en-US" smtClean="0"/>
-              <a:t>3/20/2021</a:t>
+              <a:t>3/21/21</a:t>
             </a:fld>
             <a:endParaRPr lang="en-US" dirty="0"/>
           </a:p>
@@ -1716,7 +1716,7 @@
           <a:p>
             <a:fld id="{1775B394-D9F9-4F0C-B15D-605F45CB9E9F}" type="datetime1">
               <a:rPr lang="en-US" smtClean="0"/>
-              <a:t>3/20/2021</a:t>
+              <a:t>3/21/21</a:t>
             </a:fld>
             <a:endParaRPr lang="en-US" dirty="0"/>
           </a:p>
@@ -1873,7 +1873,7 @@
           <a:p>
             <a:fld id="{39667345-2558-425A-8533-9BFDBCE15005}" type="datetime1">
               <a:rPr lang="en-US" smtClean="0"/>
-              <a:t>3/20/2021</a:t>
+              <a:t>3/21/21</a:t>
             </a:fld>
             <a:endParaRPr lang="en-US" dirty="0"/>
           </a:p>
@@ -2202,7 +2202,7 @@
           <a:p>
             <a:fld id="{92BEA474-078D-4E9B-9B14-09A87B19DC46}" type="datetime1">
               <a:rPr lang="en-US" smtClean="0"/>
-              <a:t>3/20/2021</a:t>
+              <a:t>3/21/21</a:t>
             </a:fld>
             <a:endParaRPr lang="en-US" dirty="0"/>
           </a:p>
@@ -2552,7 +2552,7 @@
           <a:p>
             <a:fld id="{4907D986-8816-4272-A432-0437A28A9828}" type="datetime1">
               <a:rPr lang="en-US" smtClean="0"/>
-              <a:t>3/20/2021</a:t>
+              <a:t>3/21/21</a:t>
             </a:fld>
             <a:endParaRPr lang="en-US" dirty="0"/>
           </a:p>
@@ -2813,7 +2813,7 @@
           <a:p>
             <a:fld id="{62D6E202-B606-4609-B914-27C9371A1F6D}" type="datetime1">
               <a:rPr lang="en-US" smtClean="0"/>
-              <a:t>3/20/2021</a:t>
+              <a:t>3/21/21</a:t>
             </a:fld>
             <a:endParaRPr lang="en-US" dirty="0"/>
           </a:p>
@@ -8627,10 +8627,10 @@
       </p:pic>
       <p:pic>
         <p:nvPicPr>
-          <p:cNvPr id="7" name="Picture 6">
-            <a:extLst>
-              <a:ext uri="{FF2B5EF4-FFF2-40B4-BE49-F238E27FC236}">
-                <a16:creationId xmlns:a16="http://schemas.microsoft.com/office/drawing/2014/main" id="{7EC66242-36AC-42D3-8F8F-DBEBD921A375}"/>
+          <p:cNvPr id="8" name="Picture 7">
+            <a:extLst>
+              <a:ext uri="{FF2B5EF4-FFF2-40B4-BE49-F238E27FC236}">
+                <a16:creationId xmlns:a16="http://schemas.microsoft.com/office/drawing/2014/main" id="{C6B3CF71-6C7B-9A4B-82C6-78F16A141EB7}"/>
               </a:ext>
             </a:extLst>
           </p:cNvPr>
@@ -8647,8 +8647,8 @@
         </p:blipFill>
         <p:spPr>
           <a:xfrm>
-            <a:off x="4262901" y="3209123"/>
-            <a:ext cx="7625244" cy="3255175"/>
+            <a:off x="4005879" y="3343475"/>
+            <a:ext cx="8006997" cy="3305803"/>
           </a:xfrm>
           <a:prstGeom prst="rect">
             <a:avLst/>
@@ -9329,6 +9329,24 @@
 </file>
 
 <file path=customXml/item1.xml><?xml version="1.0" encoding="utf-8"?>
+<?mso-contentType ?>
+<FormTemplates xmlns="http://schemas.microsoft.com/sharepoint/v3/contenttype/forms">
+  <Display>DocumentLibraryForm</Display>
+  <Edit>DocumentLibraryForm</Edit>
+  <New>DocumentLibraryForm</New>
+</FormTemplates>
+</file>
+
+<file path=customXml/item2.xml><?xml version="1.0" encoding="utf-8"?>
+<p:properties xmlns:p="http://schemas.microsoft.com/office/2006/metadata/properties" xmlns:xsi="http://www.w3.org/2001/XMLSchema-instance" xmlns:pc="http://schemas.microsoft.com/office/infopath/2007/PartnerControls">
+  <documentManagement>
+    <Status xmlns="71af3243-3dd4-4a8d-8c0d-dd76da1f02a5">Not started</Status>
+    <MediaServiceKeyPoints xmlns="71af3243-3dd4-4a8d-8c0d-dd76da1f02a5" xsi:nil="true"/>
+  </documentManagement>
+</p:properties>
+</file>
+
+<file path=customXml/item3.xml><?xml version="1.0" encoding="utf-8"?>
 <ct:contentTypeSchema xmlns:ct="http://schemas.microsoft.com/office/2006/metadata/contentType" xmlns:ma="http://schemas.microsoft.com/office/2006/metadata/properties/metaAttributes" ct:_="" ma:_="" ma:contentTypeName="Document" ma:contentTypeID="0x01010079F111ED35F8CC479449609E8A0923A6" ma:contentTypeVersion="12" ma:contentTypeDescription="Create a new document." ma:contentTypeScope="" ma:versionID="426e97fa315356fffbdcd9876fe988c2">
   <xsd:schema xmlns:xsd="http://www.w3.org/2001/XMLSchema" xmlns:xs="http://www.w3.org/2001/XMLSchema" xmlns:p="http://schemas.microsoft.com/office/2006/metadata/properties" xmlns:ns2="71af3243-3dd4-4a8d-8c0d-dd76da1f02a5" xmlns:ns3="16c05727-aa75-4e4a-9b5f-8a80a1165891" targetNamespace="http://schemas.microsoft.com/office/2006/metadata/properties" ma:root="true" ma:fieldsID="14b8f0def80e6d70ce3def20c90759ae" ns2:_="" ns3:_="">
     <xsd:import namespace="71af3243-3dd4-4a8d-8c0d-dd76da1f02a5"/>
@@ -9549,25 +9567,25 @@
 </ct:contentTypeSchema>
 </file>
 
-<file path=customXml/item2.xml><?xml version="1.0" encoding="utf-8"?>
-<p:properties xmlns:p="http://schemas.microsoft.com/office/2006/metadata/properties" xmlns:xsi="http://www.w3.org/2001/XMLSchema-instance" xmlns:pc="http://schemas.microsoft.com/office/infopath/2007/PartnerControls">
-  <documentManagement>
-    <Status xmlns="71af3243-3dd4-4a8d-8c0d-dd76da1f02a5">Not started</Status>
-    <MediaServiceKeyPoints xmlns="71af3243-3dd4-4a8d-8c0d-dd76da1f02a5" xsi:nil="true"/>
-  </documentManagement>
-</p:properties>
+<file path=customXml/itemProps1.xml><?xml version="1.0" encoding="utf-8"?>
+<ds:datastoreItem xmlns:ds="http://schemas.openxmlformats.org/officeDocument/2006/customXml" ds:itemID="{2E5ECA37-C458-4BA2-A090-D7A19E07B434}">
+  <ds:schemaRefs>
+    <ds:schemaRef ds:uri="http://schemas.microsoft.com/sharepoint/v3/contenttype/forms"/>
+  </ds:schemaRefs>
+</ds:datastoreItem>
 </file>
 
-<file path=customXml/item3.xml><?xml version="1.0" encoding="utf-8"?>
-<?mso-contentType ?>
-<FormTemplates xmlns="http://schemas.microsoft.com/sharepoint/v3/contenttype/forms">
-  <Display>DocumentLibraryForm</Display>
-  <Edit>DocumentLibraryForm</Edit>
-  <New>DocumentLibraryForm</New>
-</FormTemplates>
+<file path=customXml/itemProps2.xml><?xml version="1.0" encoding="utf-8"?>
+<ds:datastoreItem xmlns:ds="http://schemas.openxmlformats.org/officeDocument/2006/customXml" ds:itemID="{84F503EC-3FFF-4193-A86F-39150E2BAC75}">
+  <ds:schemaRefs>
+    <ds:schemaRef ds:uri="http://schemas.microsoft.com/office/2006/metadata/properties"/>
+    <ds:schemaRef ds:uri="http://schemas.microsoft.com/office/infopath/2007/PartnerControls"/>
+    <ds:schemaRef ds:uri="71af3243-3dd4-4a8d-8c0d-dd76da1f02a5"/>
+  </ds:schemaRefs>
+</ds:datastoreItem>
 </file>
 
-<file path=customXml/itemProps1.xml><?xml version="1.0" encoding="utf-8"?>
+<file path=customXml/itemProps3.xml><?xml version="1.0" encoding="utf-8"?>
 <ds:datastoreItem xmlns:ds="http://schemas.openxmlformats.org/officeDocument/2006/customXml" ds:itemID="{7A26AAF5-6CFC-4C52-B7DF-08410EDE6701}">
   <ds:schemaRefs>
     <ds:schemaRef ds:uri="http://schemas.microsoft.com/office/2006/metadata/contentType"/>
@@ -9584,22 +9602,4 @@
     <ds:schemaRef ds:uri="http://schemas.microsoft.com/internal/obd"/>
   </ds:schemaRefs>
 </ds:datastoreItem>
-</file>
-
-<file path=customXml/itemProps2.xml><?xml version="1.0" encoding="utf-8"?>
-<ds:datastoreItem xmlns:ds="http://schemas.openxmlformats.org/officeDocument/2006/customXml" ds:itemID="{84F503EC-3FFF-4193-A86F-39150E2BAC75}">
-  <ds:schemaRefs>
-    <ds:schemaRef ds:uri="http://schemas.microsoft.com/office/2006/metadata/properties"/>
-    <ds:schemaRef ds:uri="http://schemas.microsoft.com/office/infopath/2007/PartnerControls"/>
-    <ds:schemaRef ds:uri="71af3243-3dd4-4a8d-8c0d-dd76da1f02a5"/>
-  </ds:schemaRefs>
-</ds:datastoreItem>
-</file>
-
-<file path=customXml/itemProps3.xml><?xml version="1.0" encoding="utf-8"?>
-<ds:datastoreItem xmlns:ds="http://schemas.openxmlformats.org/officeDocument/2006/customXml" ds:itemID="{2E5ECA37-C458-4BA2-A090-D7A19E07B434}">
-  <ds:schemaRefs>
-    <ds:schemaRef ds:uri="http://schemas.microsoft.com/sharepoint/v3/contenttype/forms"/>
-  </ds:schemaRefs>
-</ds:datastoreItem>
 </file>
--- a/Presentation - Final.pptx
+++ b/Presentation - Final.pptx
@@ -367,7 +367,7 @@
           <a:p>
             <a:fld id="{9184DA70-C731-4C70-880D-CCD4705E623C}" type="datetime1">
               <a:rPr lang="en-US" smtClean="0"/>
-              <a:t>3/21/21</a:t>
+              <a:t>3/21/2021</a:t>
             </a:fld>
             <a:endParaRPr lang="en-US" dirty="0"/>
           </a:p>
@@ -555,7 +555,7 @@
           <a:p>
             <a:fld id="{4BE1D723-8F53-4F53-90B0-1982A396982E}" type="datetime1">
               <a:rPr lang="en-US" smtClean="0"/>
-              <a:t>3/21/21</a:t>
+              <a:t>3/21/2021</a:t>
             </a:fld>
             <a:endParaRPr lang="en-US" dirty="0"/>
           </a:p>
@@ -928,7 +928,7 @@
           <a:p>
             <a:fld id="{97669AF7-7BEB-44E4-9852-375E34362B5B}" type="datetime1">
               <a:rPr lang="en-US" smtClean="0"/>
-              <a:t>3/21/21</a:t>
+              <a:t>3/21/2021</a:t>
             </a:fld>
             <a:endParaRPr lang="en-US" dirty="0"/>
           </a:p>
@@ -1183,7 +1183,7 @@
           <a:p>
             <a:fld id="{BAAAC38D-0552-4C82-B593-E6124DFADBE2}" type="datetime1">
               <a:rPr lang="en-US" smtClean="0"/>
-              <a:t>3/21/21</a:t>
+              <a:t>3/21/2021</a:t>
             </a:fld>
             <a:endParaRPr lang="en-US" dirty="0"/>
           </a:p>
@@ -1580,7 +1580,7 @@
           <a:p>
             <a:fld id="{D9DF0F1C-5577-4ACB-BB62-DF8F3C494C7E}" type="datetime1">
               <a:rPr lang="en-US" smtClean="0"/>
-              <a:t>3/21/21</a:t>
+              <a:t>3/21/2021</a:t>
             </a:fld>
             <a:endParaRPr lang="en-US" dirty="0"/>
           </a:p>
@@ -1716,7 +1716,7 @@
           <a:p>
             <a:fld id="{1775B394-D9F9-4F0C-B15D-605F45CB9E9F}" type="datetime1">
               <a:rPr lang="en-US" smtClean="0"/>
-              <a:t>3/21/21</a:t>
+              <a:t>3/21/2021</a:t>
             </a:fld>
             <a:endParaRPr lang="en-US" dirty="0"/>
           </a:p>
@@ -1873,7 +1873,7 @@
           <a:p>
             <a:fld id="{39667345-2558-425A-8533-9BFDBCE15005}" type="datetime1">
               <a:rPr lang="en-US" smtClean="0"/>
-              <a:t>3/21/21</a:t>
+              <a:t>3/21/2021</a:t>
             </a:fld>
             <a:endParaRPr lang="en-US" dirty="0"/>
           </a:p>
@@ -2202,7 +2202,7 @@
           <a:p>
             <a:fld id="{92BEA474-078D-4E9B-9B14-09A87B19DC46}" type="datetime1">
               <a:rPr lang="en-US" smtClean="0"/>
-              <a:t>3/21/21</a:t>
+              <a:t>3/21/2021</a:t>
             </a:fld>
             <a:endParaRPr lang="en-US" dirty="0"/>
           </a:p>
@@ -2552,7 +2552,7 @@
           <a:p>
             <a:fld id="{4907D986-8816-4272-A432-0437A28A9828}" type="datetime1">
               <a:rPr lang="en-US" smtClean="0"/>
-              <a:t>3/21/21</a:t>
+              <a:t>3/21/2021</a:t>
             </a:fld>
             <a:endParaRPr lang="en-US" dirty="0"/>
           </a:p>
@@ -2813,7 +2813,7 @@
           <a:p>
             <a:fld id="{62D6E202-B606-4609-B914-27C9371A1F6D}" type="datetime1">
               <a:rPr lang="en-US" smtClean="0"/>
-              <a:t>3/21/21</a:t>
+              <a:t>3/21/2021</a:t>
             </a:fld>
             <a:endParaRPr lang="en-US" dirty="0"/>
           </a:p>
@@ -4380,7 +4380,7 @@
                 </a:solidFill>
                 <a:latin typeface="Franklin Gothic Book" panose="020F0502020204030204"/>
               </a:rPr>
-              <a:t>Data is rarely comes in a Goldilocks form even when it looks clean to start.  It can have too much information, too little, or just be nuanced enough to cause problems. </a:t>
+              <a:t>Data rarely comes in a Goldilocks form even when it looks clean to start.  It can have too much information, too little, or just be nuanced enough to cause problems. </a:t>
             </a:r>
             <a:endParaRPr kumimoji="0" lang="en-US" sz="1600" b="0" i="0" u="none" strike="noStrike" kern="1200" cap="none" spc="0" normalizeH="0" baseline="0" noProof="0" dirty="0">
               <a:ln>
@@ -4593,7 +4593,7 @@
                 </a:solidFill>
                 <a:latin typeface="Franklin Gothic Book" panose="020F0502020204030204"/>
               </a:rPr>
-              <a:t>Don’t create code errors that duplicate your original data set from 5,000 rows to 15,000.  You’ll loose an hour just trying to run it. </a:t>
+              <a:t>Don’t create code errors that duplicate your original data set from 5,000 rows to 15,000.  You’ll lose an hour just trying to run it. </a:t>
             </a:r>
             <a:endParaRPr kumimoji="0" lang="en-US" sz="1600" b="0" i="0" u="none" strike="noStrike" kern="1200" cap="none" spc="0" normalizeH="0" baseline="0" noProof="0" dirty="0">
               <a:ln>
@@ -5572,7 +5572,7 @@
                 </a:solidFill>
                 <a:latin typeface="Franklin Gothic Book" panose="020F0502020204030204"/>
               </a:rPr>
-              <a:t>The second source was  csv database from </a:t>
+              <a:t>The second source was a csv database from </a:t>
             </a:r>
             <a:r>
               <a:rPr lang="en-US" sz="1600" dirty="0" err="1">
@@ -5648,7 +5648,7 @@
                 </a:solidFill>
                 <a:latin typeface="Franklin Gothic Book" panose="020F0502020204030204"/>
               </a:rPr>
-              <a:t>The third source was  csv database from Kaggle, also containing Oscar nominees and winners. This file had the film titles required for joining. </a:t>
+              <a:t>The third source was a database from Kaggle, also containing Oscar nominees and winners. This file had the film titles required for joining. </a:t>
             </a:r>
           </a:p>
           <a:p>
@@ -9338,15 +9338,6 @@
 </file>
 
 <file path=customXml/item2.xml><?xml version="1.0" encoding="utf-8"?>
-<p:properties xmlns:p="http://schemas.microsoft.com/office/2006/metadata/properties" xmlns:xsi="http://www.w3.org/2001/XMLSchema-instance" xmlns:pc="http://schemas.microsoft.com/office/infopath/2007/PartnerControls">
-  <documentManagement>
-    <Status xmlns="71af3243-3dd4-4a8d-8c0d-dd76da1f02a5">Not started</Status>
-    <MediaServiceKeyPoints xmlns="71af3243-3dd4-4a8d-8c0d-dd76da1f02a5" xsi:nil="true"/>
-  </documentManagement>
-</p:properties>
-</file>
-
-<file path=customXml/item3.xml><?xml version="1.0" encoding="utf-8"?>
 <ct:contentTypeSchema xmlns:ct="http://schemas.microsoft.com/office/2006/metadata/contentType" xmlns:ma="http://schemas.microsoft.com/office/2006/metadata/properties/metaAttributes" ct:_="" ma:_="" ma:contentTypeName="Document" ma:contentTypeID="0x01010079F111ED35F8CC479449609E8A0923A6" ma:contentTypeVersion="12" ma:contentTypeDescription="Create a new document." ma:contentTypeScope="" ma:versionID="426e97fa315356fffbdcd9876fe988c2">
   <xsd:schema xmlns:xsd="http://www.w3.org/2001/XMLSchema" xmlns:xs="http://www.w3.org/2001/XMLSchema" xmlns:p="http://schemas.microsoft.com/office/2006/metadata/properties" xmlns:ns2="71af3243-3dd4-4a8d-8c0d-dd76da1f02a5" xmlns:ns3="16c05727-aa75-4e4a-9b5f-8a80a1165891" targetNamespace="http://schemas.microsoft.com/office/2006/metadata/properties" ma:root="true" ma:fieldsID="14b8f0def80e6d70ce3def20c90759ae" ns2:_="" ns3:_="">
     <xsd:import namespace="71af3243-3dd4-4a8d-8c0d-dd76da1f02a5"/>
@@ -9567,6 +9558,15 @@
 </ct:contentTypeSchema>
 </file>
 
+<file path=customXml/item3.xml><?xml version="1.0" encoding="utf-8"?>
+<p:properties xmlns:p="http://schemas.microsoft.com/office/2006/metadata/properties" xmlns:xsi="http://www.w3.org/2001/XMLSchema-instance" xmlns:pc="http://schemas.microsoft.com/office/infopath/2007/PartnerControls">
+  <documentManagement>
+    <Status xmlns="71af3243-3dd4-4a8d-8c0d-dd76da1f02a5">Not started</Status>
+    <MediaServiceKeyPoints xmlns="71af3243-3dd4-4a8d-8c0d-dd76da1f02a5" xsi:nil="true"/>
+  </documentManagement>
+</p:properties>
+</file>
+
 <file path=customXml/itemProps1.xml><?xml version="1.0" encoding="utf-8"?>
 <ds:datastoreItem xmlns:ds="http://schemas.openxmlformats.org/officeDocument/2006/customXml" ds:itemID="{2E5ECA37-C458-4BA2-A090-D7A19E07B434}">
   <ds:schemaRefs>
@@ -9576,16 +9576,6 @@
 </file>
 
 <file path=customXml/itemProps2.xml><?xml version="1.0" encoding="utf-8"?>
-<ds:datastoreItem xmlns:ds="http://schemas.openxmlformats.org/officeDocument/2006/customXml" ds:itemID="{84F503EC-3FFF-4193-A86F-39150E2BAC75}">
-  <ds:schemaRefs>
-    <ds:schemaRef ds:uri="http://schemas.microsoft.com/office/2006/metadata/properties"/>
-    <ds:schemaRef ds:uri="http://schemas.microsoft.com/office/infopath/2007/PartnerControls"/>
-    <ds:schemaRef ds:uri="71af3243-3dd4-4a8d-8c0d-dd76da1f02a5"/>
-  </ds:schemaRefs>
-</ds:datastoreItem>
-</file>
-
-<file path=customXml/itemProps3.xml><?xml version="1.0" encoding="utf-8"?>
 <ds:datastoreItem xmlns:ds="http://schemas.openxmlformats.org/officeDocument/2006/customXml" ds:itemID="{7A26AAF5-6CFC-4C52-B7DF-08410EDE6701}">
   <ds:schemaRefs>
     <ds:schemaRef ds:uri="http://schemas.microsoft.com/office/2006/metadata/contentType"/>
@@ -9602,4 +9592,14 @@
     <ds:schemaRef ds:uri="http://schemas.microsoft.com/internal/obd"/>
   </ds:schemaRefs>
 </ds:datastoreItem>
+</file>
+
+<file path=customXml/itemProps3.xml><?xml version="1.0" encoding="utf-8"?>
+<ds:datastoreItem xmlns:ds="http://schemas.openxmlformats.org/officeDocument/2006/customXml" ds:itemID="{84F503EC-3FFF-4193-A86F-39150E2BAC75}">
+  <ds:schemaRefs>
+    <ds:schemaRef ds:uri="http://schemas.microsoft.com/office/2006/metadata/properties"/>
+    <ds:schemaRef ds:uri="http://schemas.microsoft.com/office/infopath/2007/PartnerControls"/>
+    <ds:schemaRef ds:uri="71af3243-3dd4-4a8d-8c0d-dd76da1f02a5"/>
+  </ds:schemaRefs>
+</ds:datastoreItem>
 </file>